--- a/assets/presentation.pptx
+++ b/assets/presentation.pptx
@@ -5,7 +5,17 @@
     <p:sldMasterId id="2147483648" r:id="rId1"/>
   </p:sldMasterIdLst>
   <p:sldIdLst>
-    <p:sldId id="256" r:id="rId2"/>
+    <p:sldId id="260" r:id="rId2"/>
+    <p:sldId id="258" r:id="rId3"/>
+    <p:sldId id="259" r:id="rId4"/>
+    <p:sldId id="257" r:id="rId5"/>
+    <p:sldId id="261" r:id="rId6"/>
+    <p:sldId id="265" r:id="rId7"/>
+    <p:sldId id="262" r:id="rId8"/>
+    <p:sldId id="266" r:id="rId9"/>
+    <p:sldId id="256" r:id="rId10"/>
+    <p:sldId id="263" r:id="rId11"/>
+    <p:sldId id="264" r:id="rId12"/>
   </p:sldIdLst>
   <p:sldSz cx="9144000" cy="6858000" type="screen4x3"/>
   <p:notesSz cx="6858000" cy="9144000"/>
@@ -3085,6 +3095,660 @@
 <file path=ppt/slides/slide1.xml><?xml version="1.0" encoding="utf-8"?>
 <p:sld xmlns:a="http://schemas.openxmlformats.org/drawingml/2006/main" xmlns:r="http://schemas.openxmlformats.org/officeDocument/2006/relationships" xmlns:p="http://schemas.openxmlformats.org/presentationml/2006/main">
   <p:cSld>
+    <p:spTree>
+      <p:nvGrpSpPr>
+        <p:cNvPr id="1" name=""/>
+        <p:cNvGrpSpPr/>
+        <p:nvPr/>
+      </p:nvGrpSpPr>
+      <p:grpSpPr>
+        <a:xfrm>
+          <a:off x="0" y="0"/>
+          <a:ext cx="0" cy="0"/>
+          <a:chOff x="0" y="0"/>
+          <a:chExt cx="0" cy="0"/>
+        </a:xfrm>
+      </p:grpSpPr>
+      <p:pic>
+        <p:nvPicPr>
+          <p:cNvPr id="2" name="Picture 1"/>
+          <p:cNvPicPr>
+            <a:picLocks noChangeAspect="1"/>
+          </p:cNvPicPr>
+          <p:nvPr/>
+        </p:nvPicPr>
+        <p:blipFill>
+          <a:blip r:embed="rId2"/>
+          <a:stretch>
+            <a:fillRect/>
+          </a:stretch>
+        </p:blipFill>
+        <p:spPr>
+          <a:xfrm>
+            <a:off x="0" y="622300"/>
+            <a:ext cx="9144000" cy="5589324"/>
+          </a:xfrm>
+          <a:prstGeom prst="rect">
+            <a:avLst/>
+          </a:prstGeom>
+        </p:spPr>
+      </p:pic>
+    </p:spTree>
+    <p:extLst>
+      <p:ext uri="{BB962C8B-B14F-4D97-AF65-F5344CB8AC3E}">
+        <p14:creationId xmlns:p14="http://schemas.microsoft.com/office/powerpoint/2010/main" val="1120670052"/>
+      </p:ext>
+    </p:extLst>
+  </p:cSld>
+  <p:clrMapOvr>
+    <a:masterClrMapping/>
+  </p:clrMapOvr>
+</p:sld>
+</file>
+
+<file path=ppt/slides/slide10.xml><?xml version="1.0" encoding="utf-8"?>
+<p:sld xmlns:a="http://schemas.openxmlformats.org/drawingml/2006/main" xmlns:r="http://schemas.openxmlformats.org/officeDocument/2006/relationships" xmlns:p="http://schemas.openxmlformats.org/presentationml/2006/main">
+  <p:cSld>
+    <p:bg>
+      <p:bgPr>
+        <a:solidFill>
+          <a:schemeClr val="tx1"/>
+        </a:solidFill>
+        <a:effectLst/>
+      </p:bgPr>
+    </p:bg>
+    <p:spTree>
+      <p:nvGrpSpPr>
+        <p:cNvPr id="1" name=""/>
+        <p:cNvGrpSpPr/>
+        <p:nvPr/>
+      </p:nvGrpSpPr>
+      <p:grpSpPr>
+        <a:xfrm>
+          <a:off x="0" y="0"/>
+          <a:ext cx="0" cy="0"/>
+          <a:chOff x="0" y="0"/>
+          <a:chExt cx="0" cy="0"/>
+        </a:xfrm>
+      </p:grpSpPr>
+      <p:sp>
+        <p:nvSpPr>
+          <p:cNvPr id="3" name="Vertical Text Placeholder 2"/>
+          <p:cNvSpPr>
+            <a:spLocks noGrp="1"/>
+          </p:cNvSpPr>
+          <p:nvPr>
+            <p:ph type="body" orient="vert" idx="1"/>
+          </p:nvPr>
+        </p:nvSpPr>
+        <p:spPr>
+          <a:xfrm>
+            <a:off x="457200" y="2051756"/>
+            <a:ext cx="8229600" cy="4525963"/>
+          </a:xfrm>
+        </p:spPr>
+        <p:txBody>
+          <a:bodyPr vert="horz">
+            <a:normAutofit fontScale="47500" lnSpcReduction="20000"/>
+          </a:bodyPr>
+          <a:lstStyle/>
+          <a:p>
+            <a:pPr marL="0" indent="0">
+              <a:buNone/>
+            </a:pPr>
+            <a:r>
+              <a:rPr lang="en-US" dirty="0">
+                <a:solidFill>
+                  <a:srgbClr val="660066"/>
+                </a:solidFill>
+              </a:rPr>
+              <a:t>Plugins </a:t>
+            </a:r>
+          </a:p>
+          <a:p>
+            <a:pPr marL="0" indent="0">
+              <a:buNone/>
+            </a:pPr>
+            <a:r>
+              <a:rPr lang="en-US" dirty="0">
+                <a:solidFill>
+                  <a:srgbClr val="660066"/>
+                </a:solidFill>
+                <a:hlinkClick r:id="rId2"/>
+              </a:rPr>
+              <a:t>http://greensock.com/</a:t>
+            </a:r>
+            <a:endParaRPr lang="en-US" dirty="0">
+              <a:solidFill>
+                <a:srgbClr val="660066"/>
+              </a:solidFill>
+            </a:endParaRPr>
+          </a:p>
+          <a:p>
+            <a:pPr marL="0" indent="0">
+              <a:buNone/>
+            </a:pPr>
+            <a:r>
+              <a:rPr lang="en-US" dirty="0">
+                <a:solidFill>
+                  <a:srgbClr val="660066"/>
+                </a:solidFill>
+                <a:hlinkClick r:id="rId3"/>
+              </a:rPr>
+              <a:t>http://prinzhorn.github.io/skrollr/</a:t>
+            </a:r>
+            <a:endParaRPr lang="en-US" dirty="0">
+              <a:solidFill>
+                <a:srgbClr val="660066"/>
+              </a:solidFill>
+            </a:endParaRPr>
+          </a:p>
+          <a:p>
+            <a:pPr marL="0" indent="0">
+              <a:buNone/>
+            </a:pPr>
+            <a:r>
+              <a:rPr lang="en-US" dirty="0">
+                <a:solidFill>
+                  <a:srgbClr val="660066"/>
+                </a:solidFill>
+                <a:hlinkClick r:id="rId4"/>
+              </a:rPr>
+              <a:t>http://mediaelementjs.com/</a:t>
+            </a:r>
+            <a:endParaRPr lang="en-US" dirty="0">
+              <a:solidFill>
+                <a:srgbClr val="660066"/>
+              </a:solidFill>
+            </a:endParaRPr>
+          </a:p>
+          <a:p>
+            <a:pPr marL="0" indent="0">
+              <a:buNone/>
+            </a:pPr>
+            <a:r>
+              <a:rPr lang="en-US" dirty="0">
+                <a:solidFill>
+                  <a:srgbClr val="660066"/>
+                </a:solidFill>
+                <a:hlinkClick r:id="rId5"/>
+              </a:rPr>
+              <a:t>http://p5js.org/</a:t>
+            </a:r>
+            <a:endParaRPr lang="en-US" dirty="0">
+              <a:solidFill>
+                <a:srgbClr val="660066"/>
+              </a:solidFill>
+            </a:endParaRPr>
+          </a:p>
+          <a:p>
+            <a:pPr marL="0" indent="0">
+              <a:buNone/>
+            </a:pPr>
+            <a:r>
+              <a:rPr lang="en-US" dirty="0">
+                <a:solidFill>
+                  <a:srgbClr val="660066"/>
+                </a:solidFill>
+              </a:rPr>
+              <a:t/>
+            </a:r>
+            <a:br>
+              <a:rPr lang="en-US" dirty="0">
+                <a:solidFill>
+                  <a:srgbClr val="660066"/>
+                </a:solidFill>
+              </a:rPr>
+            </a:br>
+            <a:endParaRPr lang="en-US" dirty="0">
+              <a:solidFill>
+                <a:srgbClr val="660066"/>
+              </a:solidFill>
+            </a:endParaRPr>
+          </a:p>
+          <a:p>
+            <a:pPr marL="0" indent="0">
+              <a:buNone/>
+            </a:pPr>
+            <a:r>
+              <a:rPr lang="en-US" dirty="0" err="1">
+                <a:solidFill>
+                  <a:srgbClr val="660066"/>
+                </a:solidFill>
+              </a:rPr>
+              <a:t>Referencias</a:t>
+            </a:r>
+            <a:r>
+              <a:rPr lang="en-US" dirty="0">
+                <a:solidFill>
+                  <a:srgbClr val="660066"/>
+                </a:solidFill>
+              </a:rPr>
+              <a:t> </a:t>
+            </a:r>
+          </a:p>
+          <a:p>
+            <a:pPr marL="0" indent="0">
+              <a:buNone/>
+            </a:pPr>
+            <a:r>
+              <a:rPr lang="en-US" dirty="0">
+                <a:solidFill>
+                  <a:srgbClr val="660066"/>
+                </a:solidFill>
+                <a:hlinkClick r:id="rId6"/>
+              </a:rPr>
+              <a:t>https://www.zuto.com/88-miles-per-hour/</a:t>
+            </a:r>
+            <a:endParaRPr lang="en-US" dirty="0">
+              <a:solidFill>
+                <a:srgbClr val="660066"/>
+              </a:solidFill>
+            </a:endParaRPr>
+          </a:p>
+          <a:p>
+            <a:pPr marL="0" indent="0">
+              <a:buNone/>
+            </a:pPr>
+            <a:r>
+              <a:rPr lang="en-US" dirty="0">
+                <a:solidFill>
+                  <a:srgbClr val="660066"/>
+                </a:solidFill>
+                <a:hlinkClick r:id="rId7"/>
+              </a:rPr>
+              <a:t>http://alfredservice.com/</a:t>
+            </a:r>
+            <a:endParaRPr lang="en-US" dirty="0">
+              <a:solidFill>
+                <a:srgbClr val="660066"/>
+              </a:solidFill>
+            </a:endParaRPr>
+          </a:p>
+          <a:p>
+            <a:pPr marL="0" indent="0">
+              <a:buNone/>
+            </a:pPr>
+            <a:r>
+              <a:rPr lang="en-US" dirty="0">
+                <a:solidFill>
+                  <a:srgbClr val="660066"/>
+                </a:solidFill>
+                <a:hlinkClick r:id="rId8"/>
+              </a:rPr>
+              <a:t>http://soundcityproject.com/</a:t>
+            </a:r>
+            <a:endParaRPr lang="en-US" dirty="0">
+              <a:solidFill>
+                <a:srgbClr val="660066"/>
+              </a:solidFill>
+            </a:endParaRPr>
+          </a:p>
+          <a:p>
+            <a:pPr marL="0" indent="0">
+              <a:buNone/>
+            </a:pPr>
+            <a:r>
+              <a:rPr lang="en-US" dirty="0">
+                <a:solidFill>
+                  <a:srgbClr val="660066"/>
+                </a:solidFill>
+                <a:hlinkClick r:id="rId9"/>
+              </a:rPr>
+              <a:t>http://mcwhopper.com/</a:t>
+            </a:r>
+            <a:endParaRPr lang="en-US" dirty="0">
+              <a:solidFill>
+                <a:srgbClr val="660066"/>
+              </a:solidFill>
+            </a:endParaRPr>
+          </a:p>
+          <a:p>
+            <a:pPr marL="0" indent="0">
+              <a:buNone/>
+            </a:pPr>
+            <a:r>
+              <a:rPr lang="en-US" dirty="0">
+                <a:solidFill>
+                  <a:srgbClr val="660066"/>
+                </a:solidFill>
+                <a:hlinkClick r:id="rId10"/>
+              </a:rPr>
+              <a:t>http://www.topos.mx/amuleto</a:t>
+            </a:r>
+            <a:endParaRPr lang="en-US" dirty="0">
+              <a:solidFill>
+                <a:srgbClr val="660066"/>
+              </a:solidFill>
+            </a:endParaRPr>
+          </a:p>
+          <a:p>
+            <a:pPr marL="0" indent="0">
+              <a:buNone/>
+            </a:pPr>
+            <a:r>
+              <a:rPr lang="en-US" dirty="0">
+                <a:solidFill>
+                  <a:srgbClr val="660066"/>
+                </a:solidFill>
+              </a:rPr>
+              <a:t/>
+            </a:r>
+            <a:br>
+              <a:rPr lang="en-US" dirty="0">
+                <a:solidFill>
+                  <a:srgbClr val="660066"/>
+                </a:solidFill>
+              </a:rPr>
+            </a:br>
+            <a:endParaRPr lang="en-US" dirty="0">
+              <a:solidFill>
+                <a:srgbClr val="660066"/>
+              </a:solidFill>
+            </a:endParaRPr>
+          </a:p>
+          <a:p>
+            <a:pPr marL="0" indent="0">
+              <a:buNone/>
+            </a:pPr>
+            <a:r>
+              <a:rPr lang="en-US" dirty="0" err="1">
+                <a:solidFill>
+                  <a:srgbClr val="660066"/>
+                </a:solidFill>
+              </a:rPr>
+              <a:t>Más</a:t>
+            </a:r>
+            <a:r>
+              <a:rPr lang="en-US" dirty="0">
+                <a:solidFill>
+                  <a:srgbClr val="660066"/>
+                </a:solidFill>
+              </a:rPr>
+              <a:t> </a:t>
+            </a:r>
+            <a:r>
+              <a:rPr lang="en-US" dirty="0" err="1" smtClean="0">
+                <a:solidFill>
+                  <a:srgbClr val="660066"/>
+                </a:solidFill>
+              </a:rPr>
+              <a:t>referencias</a:t>
+            </a:r>
+            <a:r>
+              <a:rPr lang="en-US" dirty="0" smtClean="0">
+                <a:solidFill>
+                  <a:srgbClr val="660066"/>
+                </a:solidFill>
+              </a:rPr>
+              <a:t> </a:t>
+            </a:r>
+            <a:endParaRPr lang="en-US" dirty="0">
+              <a:solidFill>
+                <a:srgbClr val="660066"/>
+              </a:solidFill>
+            </a:endParaRPr>
+          </a:p>
+          <a:p>
+            <a:pPr marL="0" indent="0">
+              <a:buNone/>
+            </a:pPr>
+            <a:r>
+              <a:rPr lang="en-US" dirty="0">
+                <a:solidFill>
+                  <a:srgbClr val="660066"/>
+                </a:solidFill>
+                <a:hlinkClick r:id="rId11"/>
+              </a:rPr>
+              <a:t>http://greensock.com/examples-showcases</a:t>
+            </a:r>
+            <a:endParaRPr lang="en-US" dirty="0">
+              <a:solidFill>
+                <a:srgbClr val="660066"/>
+              </a:solidFill>
+            </a:endParaRPr>
+          </a:p>
+          <a:p>
+            <a:pPr marL="0" indent="0">
+              <a:buNone/>
+            </a:pPr>
+            <a:r>
+              <a:rPr lang="en-US" dirty="0">
+                <a:solidFill>
+                  <a:srgbClr val="660066"/>
+                </a:solidFill>
+                <a:hlinkClick r:id="rId12"/>
+              </a:rPr>
+              <a:t>http://www.awwwards.com/websites/?categories=animation&amp;type=nominees</a:t>
+            </a:r>
+            <a:endParaRPr lang="en-US" dirty="0">
+              <a:solidFill>
+                <a:srgbClr val="660066"/>
+              </a:solidFill>
+            </a:endParaRPr>
+          </a:p>
+          <a:p>
+            <a:pPr marL="0" indent="0">
+              <a:buNone/>
+            </a:pPr>
+            <a:endParaRPr lang="en-US" dirty="0">
+              <a:solidFill>
+                <a:srgbClr val="660066"/>
+              </a:solidFill>
+            </a:endParaRPr>
+          </a:p>
+        </p:txBody>
+      </p:sp>
+      <p:pic>
+        <p:nvPicPr>
+          <p:cNvPr id="5" name="Picture 4"/>
+          <p:cNvPicPr>
+            <a:picLocks noChangeAspect="1"/>
+          </p:cNvPicPr>
+          <p:nvPr/>
+        </p:nvPicPr>
+        <p:blipFill>
+          <a:blip r:embed="rId13"/>
+          <a:stretch>
+            <a:fillRect/>
+          </a:stretch>
+        </p:blipFill>
+        <p:spPr>
+          <a:xfrm>
+            <a:off x="3209768" y="395111"/>
+            <a:ext cx="2852874" cy="1806222"/>
+          </a:xfrm>
+          <a:prstGeom prst="rect">
+            <a:avLst/>
+          </a:prstGeom>
+        </p:spPr>
+      </p:pic>
+    </p:spTree>
+    <p:extLst>
+      <p:ext uri="{BB962C8B-B14F-4D97-AF65-F5344CB8AC3E}">
+        <p14:creationId xmlns:p14="http://schemas.microsoft.com/office/powerpoint/2010/main" val="523389372"/>
+      </p:ext>
+    </p:extLst>
+  </p:cSld>
+  <p:clrMapOvr>
+    <a:masterClrMapping/>
+  </p:clrMapOvr>
+</p:sld>
+</file>
+
+<file path=ppt/slides/slide11.xml><?xml version="1.0" encoding="utf-8"?>
+<p:sld xmlns:a="http://schemas.openxmlformats.org/drawingml/2006/main" xmlns:r="http://schemas.openxmlformats.org/officeDocument/2006/relationships" xmlns:p="http://schemas.openxmlformats.org/presentationml/2006/main">
+  <p:cSld>
+    <p:bg>
+      <p:bgPr>
+        <a:solidFill>
+          <a:srgbClr val="EFD500"/>
+        </a:solidFill>
+        <a:effectLst/>
+      </p:bgPr>
+    </p:bg>
+    <p:spTree>
+      <p:nvGrpSpPr>
+        <p:cNvPr id="1" name=""/>
+        <p:cNvGrpSpPr/>
+        <p:nvPr/>
+      </p:nvGrpSpPr>
+      <p:grpSpPr>
+        <a:xfrm>
+          <a:off x="0" y="0"/>
+          <a:ext cx="0" cy="0"/>
+          <a:chOff x="0" y="0"/>
+          <a:chExt cx="0" cy="0"/>
+        </a:xfrm>
+      </p:grpSpPr>
+      <p:pic>
+        <p:nvPicPr>
+          <p:cNvPr id="2" name="Picture 1"/>
+          <p:cNvPicPr>
+            <a:picLocks noChangeAspect="1"/>
+          </p:cNvPicPr>
+          <p:nvPr/>
+        </p:nvPicPr>
+        <p:blipFill>
+          <a:blip r:embed="rId2"/>
+          <a:stretch>
+            <a:fillRect/>
+          </a:stretch>
+        </p:blipFill>
+        <p:spPr>
+          <a:xfrm>
+            <a:off x="0" y="0"/>
+            <a:ext cx="6858000" cy="6858000"/>
+          </a:xfrm>
+          <a:prstGeom prst="rect">
+            <a:avLst/>
+          </a:prstGeom>
+        </p:spPr>
+      </p:pic>
+    </p:spTree>
+    <p:extLst>
+      <p:ext uri="{BB962C8B-B14F-4D97-AF65-F5344CB8AC3E}">
+        <p14:creationId xmlns:p14="http://schemas.microsoft.com/office/powerpoint/2010/main" val="2755897160"/>
+      </p:ext>
+    </p:extLst>
+  </p:cSld>
+  <p:clrMapOvr>
+    <a:masterClrMapping/>
+  </p:clrMapOvr>
+</p:sld>
+</file>
+
+<file path=ppt/slides/slide2.xml><?xml version="1.0" encoding="utf-8"?>
+<p:sld xmlns:a="http://schemas.openxmlformats.org/drawingml/2006/main" xmlns:r="http://schemas.openxmlformats.org/officeDocument/2006/relationships" xmlns:p="http://schemas.openxmlformats.org/presentationml/2006/main">
+  <p:cSld>
+    <p:spTree>
+      <p:nvGrpSpPr>
+        <p:cNvPr id="1" name=""/>
+        <p:cNvGrpSpPr/>
+        <p:nvPr/>
+      </p:nvGrpSpPr>
+      <p:grpSpPr>
+        <a:xfrm>
+          <a:off x="0" y="0"/>
+          <a:ext cx="0" cy="0"/>
+          <a:chOff x="0" y="0"/>
+          <a:chExt cx="0" cy="0"/>
+        </a:xfrm>
+      </p:grpSpPr>
+      <p:pic>
+        <p:nvPicPr>
+          <p:cNvPr id="5" name="Picture 4"/>
+          <p:cNvPicPr>
+            <a:picLocks noChangeAspect="1"/>
+          </p:cNvPicPr>
+          <p:nvPr/>
+        </p:nvPicPr>
+        <p:blipFill>
+          <a:blip r:embed="rId2"/>
+          <a:stretch>
+            <a:fillRect/>
+          </a:stretch>
+        </p:blipFill>
+        <p:spPr>
+          <a:xfrm>
+            <a:off x="0" y="381000"/>
+            <a:ext cx="9144000" cy="6092026"/>
+          </a:xfrm>
+          <a:prstGeom prst="rect">
+            <a:avLst/>
+          </a:prstGeom>
+        </p:spPr>
+      </p:pic>
+    </p:spTree>
+    <p:extLst>
+      <p:ext uri="{BB962C8B-B14F-4D97-AF65-F5344CB8AC3E}">
+        <p14:creationId xmlns:p14="http://schemas.microsoft.com/office/powerpoint/2010/main" val="4222462517"/>
+      </p:ext>
+    </p:extLst>
+  </p:cSld>
+  <p:clrMapOvr>
+    <a:masterClrMapping/>
+  </p:clrMapOvr>
+</p:sld>
+</file>
+
+<file path=ppt/slides/slide3.xml><?xml version="1.0" encoding="utf-8"?>
+<p:sld xmlns:a="http://schemas.openxmlformats.org/drawingml/2006/main" xmlns:r="http://schemas.openxmlformats.org/officeDocument/2006/relationships" xmlns:p="http://schemas.openxmlformats.org/presentationml/2006/main">
+  <p:cSld>
+    <p:spTree>
+      <p:nvGrpSpPr>
+        <p:cNvPr id="1" name=""/>
+        <p:cNvGrpSpPr/>
+        <p:nvPr/>
+      </p:nvGrpSpPr>
+      <p:grpSpPr>
+        <a:xfrm>
+          <a:off x="0" y="0"/>
+          <a:ext cx="0" cy="0"/>
+          <a:chOff x="0" y="0"/>
+          <a:chExt cx="0" cy="0"/>
+        </a:xfrm>
+      </p:grpSpPr>
+      <p:pic>
+        <p:nvPicPr>
+          <p:cNvPr id="2" name="Picture 1"/>
+          <p:cNvPicPr>
+            <a:picLocks noChangeAspect="1"/>
+          </p:cNvPicPr>
+          <p:nvPr/>
+        </p:nvPicPr>
+        <p:blipFill>
+          <a:blip r:embed="rId2"/>
+          <a:stretch>
+            <a:fillRect/>
+          </a:stretch>
+        </p:blipFill>
+        <p:spPr>
+          <a:xfrm>
+            <a:off x="0" y="342900"/>
+            <a:ext cx="9144000" cy="6163183"/>
+          </a:xfrm>
+          <a:prstGeom prst="rect">
+            <a:avLst/>
+          </a:prstGeom>
+        </p:spPr>
+      </p:pic>
+    </p:spTree>
+    <p:extLst>
+      <p:ext uri="{BB962C8B-B14F-4D97-AF65-F5344CB8AC3E}">
+        <p14:creationId xmlns:p14="http://schemas.microsoft.com/office/powerpoint/2010/main" val="1936407514"/>
+      </p:ext>
+    </p:extLst>
+  </p:cSld>
+  <p:clrMapOvr>
+    <a:masterClrMapping/>
+  </p:clrMapOvr>
+</p:sld>
+</file>
+
+<file path=ppt/slides/slide4.xml><?xml version="1.0" encoding="utf-8"?>
+<p:sld xmlns:a="http://schemas.openxmlformats.org/drawingml/2006/main" xmlns:r="http://schemas.openxmlformats.org/officeDocument/2006/relationships" xmlns:p="http://schemas.openxmlformats.org/presentationml/2006/main">
+  <p:cSld>
     <p:bg>
       <p:bgPr>
         <a:solidFill>
@@ -3130,7 +3794,11 @@
           <a:lstStyle/>
           <a:p>
             <a:r>
-              <a:rPr lang="nl-NL" dirty="0" err="1"/>
+              <a:rPr lang="nl-NL" dirty="0" smtClean="0"/>
+              <a:t>http://</a:t>
+            </a:r>
+            <a:r>
+              <a:rPr lang="nl-NL" dirty="0" err="1" smtClean="0"/>
               <a:t>greensock.com</a:t>
             </a:r>
             <a:endParaRPr lang="en-US" dirty="0"/>
@@ -3155,6 +3823,676 @@
           <a:xfrm>
             <a:off x="1371600" y="1717096"/>
             <a:ext cx="6400800" cy="2346960"/>
+          </a:xfrm>
+          <a:prstGeom prst="rect">
+            <a:avLst/>
+          </a:prstGeom>
+        </p:spPr>
+      </p:pic>
+    </p:spTree>
+    <p:extLst>
+      <p:ext uri="{BB962C8B-B14F-4D97-AF65-F5344CB8AC3E}">
+        <p14:creationId xmlns:p14="http://schemas.microsoft.com/office/powerpoint/2010/main" val="2000722480"/>
+      </p:ext>
+    </p:extLst>
+  </p:cSld>
+  <p:clrMapOvr>
+    <a:masterClrMapping/>
+  </p:clrMapOvr>
+</p:sld>
+</file>
+
+<file path=ppt/slides/slide5.xml><?xml version="1.0" encoding="utf-8"?>
+<p:sld xmlns:a="http://schemas.openxmlformats.org/drawingml/2006/main" xmlns:r="http://schemas.openxmlformats.org/officeDocument/2006/relationships" xmlns:p="http://schemas.openxmlformats.org/presentationml/2006/main">
+  <p:cSld>
+    <p:bg>
+      <p:bgPr>
+        <a:solidFill>
+          <a:schemeClr val="tx1"/>
+        </a:solidFill>
+        <a:effectLst/>
+      </p:bgPr>
+    </p:bg>
+    <p:spTree>
+      <p:nvGrpSpPr>
+        <p:cNvPr id="1" name=""/>
+        <p:cNvGrpSpPr/>
+        <p:nvPr/>
+      </p:nvGrpSpPr>
+      <p:grpSpPr>
+        <a:xfrm>
+          <a:off x="0" y="0"/>
+          <a:ext cx="0" cy="0"/>
+          <a:chOff x="0" y="0"/>
+          <a:chExt cx="0" cy="0"/>
+        </a:xfrm>
+      </p:grpSpPr>
+      <p:sp>
+        <p:nvSpPr>
+          <p:cNvPr id="3" name="Subtitle 2"/>
+          <p:cNvSpPr>
+            <a:spLocks noGrp="1"/>
+          </p:cNvSpPr>
+          <p:nvPr>
+            <p:ph type="subTitle" idx="1"/>
+          </p:nvPr>
+        </p:nvSpPr>
+        <p:spPr>
+          <a:xfrm>
+            <a:off x="1371600" y="5135734"/>
+            <a:ext cx="6400800" cy="503066"/>
+          </a:xfrm>
+        </p:spPr>
+        <p:txBody>
+          <a:bodyPr>
+            <a:normAutofit fontScale="92500" lnSpcReduction="10000"/>
+          </a:bodyPr>
+          <a:lstStyle/>
+          <a:p>
+            <a:r>
+              <a:rPr lang="de-DE" dirty="0">
+                <a:solidFill>
+                  <a:schemeClr val="bg1"/>
+                </a:solidFill>
+              </a:rPr>
+              <a:t>https://</a:t>
+            </a:r>
+            <a:r>
+              <a:rPr lang="de-DE" dirty="0" err="1">
+                <a:solidFill>
+                  <a:schemeClr val="bg1"/>
+                </a:solidFill>
+              </a:rPr>
+              <a:t>github.com</a:t>
+            </a:r>
+            <a:r>
+              <a:rPr lang="de-DE" dirty="0">
+                <a:solidFill>
+                  <a:schemeClr val="bg1"/>
+                </a:solidFill>
+              </a:rPr>
+              <a:t>/Prinzhorn/</a:t>
+            </a:r>
+            <a:r>
+              <a:rPr lang="de-DE" dirty="0" err="1">
+                <a:solidFill>
+                  <a:schemeClr val="bg1"/>
+                </a:solidFill>
+              </a:rPr>
+              <a:t>skrollr</a:t>
+            </a:r>
+            <a:endParaRPr lang="en-US" dirty="0">
+              <a:solidFill>
+                <a:schemeClr val="bg1"/>
+              </a:solidFill>
+            </a:endParaRPr>
+          </a:p>
+        </p:txBody>
+      </p:sp>
+      <p:pic>
+        <p:nvPicPr>
+          <p:cNvPr id="5" name="Picture 4"/>
+          <p:cNvPicPr>
+            <a:picLocks noChangeAspect="1"/>
+          </p:cNvPicPr>
+          <p:nvPr/>
+        </p:nvPicPr>
+        <p:blipFill>
+          <a:blip r:embed="rId2"/>
+          <a:stretch>
+            <a:fillRect/>
+          </a:stretch>
+        </p:blipFill>
+        <p:spPr>
+          <a:xfrm>
+            <a:off x="773049" y="0"/>
+            <a:ext cx="7874000" cy="3784600"/>
+          </a:xfrm>
+          <a:prstGeom prst="rect">
+            <a:avLst/>
+          </a:prstGeom>
+        </p:spPr>
+      </p:pic>
+    </p:spTree>
+    <p:extLst>
+      <p:ext uri="{BB962C8B-B14F-4D97-AF65-F5344CB8AC3E}">
+        <p14:creationId xmlns:p14="http://schemas.microsoft.com/office/powerpoint/2010/main" val="2907168960"/>
+      </p:ext>
+    </p:extLst>
+  </p:cSld>
+  <p:clrMapOvr>
+    <a:masterClrMapping/>
+  </p:clrMapOvr>
+</p:sld>
+</file>
+
+<file path=ppt/slides/slide6.xml><?xml version="1.0" encoding="utf-8"?>
+<p:sld xmlns:a="http://schemas.openxmlformats.org/drawingml/2006/main" xmlns:r="http://schemas.openxmlformats.org/officeDocument/2006/relationships" xmlns:p="http://schemas.openxmlformats.org/presentationml/2006/main">
+  <p:cSld>
+    <p:bg>
+      <p:bgPr>
+        <a:solidFill>
+          <a:srgbClr val="F5F5F5"/>
+        </a:solidFill>
+        <a:effectLst/>
+      </p:bgPr>
+    </p:bg>
+    <p:spTree>
+      <p:nvGrpSpPr>
+        <p:cNvPr id="1" name=""/>
+        <p:cNvGrpSpPr/>
+        <p:nvPr/>
+      </p:nvGrpSpPr>
+      <p:grpSpPr>
+        <a:xfrm>
+          <a:off x="0" y="0"/>
+          <a:ext cx="0" cy="0"/>
+          <a:chOff x="0" y="0"/>
+          <a:chExt cx="0" cy="0"/>
+        </a:xfrm>
+      </p:grpSpPr>
+      <p:pic>
+        <p:nvPicPr>
+          <p:cNvPr id="2" name="Picture 1"/>
+          <p:cNvPicPr>
+            <a:picLocks noChangeAspect="1"/>
+          </p:cNvPicPr>
+          <p:nvPr/>
+        </p:nvPicPr>
+        <p:blipFill rotWithShape="1">
+          <a:blip r:embed="rId2"/>
+          <a:srcRect l="17188" t="34523" r="16743" b="33175"/>
+          <a:stretch/>
+        </p:blipFill>
+        <p:spPr>
+          <a:xfrm>
+            <a:off x="1905072" y="3078679"/>
+            <a:ext cx="5370094" cy="717900"/>
+          </a:xfrm>
+          <a:prstGeom prst="rect">
+            <a:avLst/>
+          </a:prstGeom>
+        </p:spPr>
+      </p:pic>
+      <p:sp>
+        <p:nvSpPr>
+          <p:cNvPr id="3" name="Subtitle 2"/>
+          <p:cNvSpPr txBox="1">
+            <a:spLocks/>
+          </p:cNvSpPr>
+          <p:nvPr/>
+        </p:nvSpPr>
+        <p:spPr>
+          <a:xfrm>
+            <a:off x="1371600" y="5135734"/>
+            <a:ext cx="6400800" cy="503066"/>
+          </a:xfrm>
+          <a:prstGeom prst="rect">
+            <a:avLst/>
+          </a:prstGeom>
+        </p:spPr>
+        <p:txBody>
+          <a:bodyPr>
+            <a:normAutofit fontScale="92500" lnSpcReduction="10000"/>
+          </a:bodyPr>
+          <a:lstStyle>
+            <a:lvl1pPr marL="342900" indent="-342900" algn="l" defTabSz="914400" rtl="0" eaLnBrk="1" latinLnBrk="0" hangingPunct="1">
+              <a:spcBef>
+                <a:spcPct val="20000"/>
+              </a:spcBef>
+              <a:buFont typeface="Arial" pitchFamily="34" charset="0"/>
+              <a:buChar char="•"/>
+              <a:defRPr sz="3200" kern="1200">
+                <a:solidFill>
+                  <a:schemeClr val="tx1"/>
+                </a:solidFill>
+                <a:latin typeface="+mn-lt"/>
+                <a:ea typeface="+mn-ea"/>
+                <a:cs typeface="+mn-cs"/>
+              </a:defRPr>
+            </a:lvl1pPr>
+            <a:lvl2pPr marL="742950" indent="-285750" algn="l" defTabSz="914400" rtl="0" eaLnBrk="1" latinLnBrk="0" hangingPunct="1">
+              <a:spcBef>
+                <a:spcPct val="20000"/>
+              </a:spcBef>
+              <a:buFont typeface="Arial" pitchFamily="34" charset="0"/>
+              <a:buChar char="–"/>
+              <a:defRPr sz="2800" kern="1200">
+                <a:solidFill>
+                  <a:schemeClr val="tx1"/>
+                </a:solidFill>
+                <a:latin typeface="+mn-lt"/>
+                <a:ea typeface="+mn-ea"/>
+                <a:cs typeface="+mn-cs"/>
+              </a:defRPr>
+            </a:lvl2pPr>
+            <a:lvl3pPr marL="1143000" indent="-228600" algn="l" defTabSz="914400" rtl="0" eaLnBrk="1" latinLnBrk="0" hangingPunct="1">
+              <a:spcBef>
+                <a:spcPct val="20000"/>
+              </a:spcBef>
+              <a:buFont typeface="Arial" pitchFamily="34" charset="0"/>
+              <a:buChar char="•"/>
+              <a:defRPr sz="2400" kern="1200">
+                <a:solidFill>
+                  <a:schemeClr val="tx1"/>
+                </a:solidFill>
+                <a:latin typeface="+mn-lt"/>
+                <a:ea typeface="+mn-ea"/>
+                <a:cs typeface="+mn-cs"/>
+              </a:defRPr>
+            </a:lvl3pPr>
+            <a:lvl4pPr marL="1600200" indent="-228600" algn="l" defTabSz="914400" rtl="0" eaLnBrk="1" latinLnBrk="0" hangingPunct="1">
+              <a:spcBef>
+                <a:spcPct val="20000"/>
+              </a:spcBef>
+              <a:buFont typeface="Arial" pitchFamily="34" charset="0"/>
+              <a:buChar char="–"/>
+              <a:defRPr sz="2000" kern="1200">
+                <a:solidFill>
+                  <a:schemeClr val="tx1"/>
+                </a:solidFill>
+                <a:latin typeface="+mn-lt"/>
+                <a:ea typeface="+mn-ea"/>
+                <a:cs typeface="+mn-cs"/>
+              </a:defRPr>
+            </a:lvl4pPr>
+            <a:lvl5pPr marL="2057400" indent="-228600" algn="l" defTabSz="914400" rtl="0" eaLnBrk="1" latinLnBrk="0" hangingPunct="1">
+              <a:spcBef>
+                <a:spcPct val="20000"/>
+              </a:spcBef>
+              <a:buFont typeface="Arial" pitchFamily="34" charset="0"/>
+              <a:buChar char="»"/>
+              <a:defRPr sz="2000" kern="1200">
+                <a:solidFill>
+                  <a:schemeClr val="tx1"/>
+                </a:solidFill>
+                <a:latin typeface="+mn-lt"/>
+                <a:ea typeface="+mn-ea"/>
+                <a:cs typeface="+mn-cs"/>
+              </a:defRPr>
+            </a:lvl5pPr>
+            <a:lvl6pPr marL="2514600" indent="-228600" algn="l" defTabSz="914400" rtl="0" eaLnBrk="1" latinLnBrk="0" hangingPunct="1">
+              <a:spcBef>
+                <a:spcPct val="20000"/>
+              </a:spcBef>
+              <a:buFont typeface="Arial" pitchFamily="34" charset="0"/>
+              <a:buChar char="•"/>
+              <a:defRPr sz="2000" kern="1200">
+                <a:solidFill>
+                  <a:schemeClr val="tx1"/>
+                </a:solidFill>
+                <a:latin typeface="+mn-lt"/>
+                <a:ea typeface="+mn-ea"/>
+                <a:cs typeface="+mn-cs"/>
+              </a:defRPr>
+            </a:lvl6pPr>
+            <a:lvl7pPr marL="2971800" indent="-228600" algn="l" defTabSz="914400" rtl="0" eaLnBrk="1" latinLnBrk="0" hangingPunct="1">
+              <a:spcBef>
+                <a:spcPct val="20000"/>
+              </a:spcBef>
+              <a:buFont typeface="Arial" pitchFamily="34" charset="0"/>
+              <a:buChar char="•"/>
+              <a:defRPr sz="2000" kern="1200">
+                <a:solidFill>
+                  <a:schemeClr val="tx1"/>
+                </a:solidFill>
+                <a:latin typeface="+mn-lt"/>
+                <a:ea typeface="+mn-ea"/>
+                <a:cs typeface="+mn-cs"/>
+              </a:defRPr>
+            </a:lvl7pPr>
+            <a:lvl8pPr marL="3429000" indent="-228600" algn="l" defTabSz="914400" rtl="0" eaLnBrk="1" latinLnBrk="0" hangingPunct="1">
+              <a:spcBef>
+                <a:spcPct val="20000"/>
+              </a:spcBef>
+              <a:buFont typeface="Arial" pitchFamily="34" charset="0"/>
+              <a:buChar char="•"/>
+              <a:defRPr sz="2000" kern="1200">
+                <a:solidFill>
+                  <a:schemeClr val="tx1"/>
+                </a:solidFill>
+                <a:latin typeface="+mn-lt"/>
+                <a:ea typeface="+mn-ea"/>
+                <a:cs typeface="+mn-cs"/>
+              </a:defRPr>
+            </a:lvl8pPr>
+            <a:lvl9pPr marL="3886200" indent="-228600" algn="l" defTabSz="914400" rtl="0" eaLnBrk="1" latinLnBrk="0" hangingPunct="1">
+              <a:spcBef>
+                <a:spcPct val="20000"/>
+              </a:spcBef>
+              <a:buFont typeface="Arial" pitchFamily="34" charset="0"/>
+              <a:buChar char="•"/>
+              <a:defRPr sz="2000" kern="1200">
+                <a:solidFill>
+                  <a:schemeClr val="tx1"/>
+                </a:solidFill>
+                <a:latin typeface="+mn-lt"/>
+                <a:ea typeface="+mn-ea"/>
+                <a:cs typeface="+mn-cs"/>
+              </a:defRPr>
+            </a:lvl9pPr>
+          </a:lstStyle>
+          <a:p>
+            <a:pPr marL="0" indent="0" algn="ctr">
+              <a:buNone/>
+            </a:pPr>
+            <a:r>
+              <a:rPr lang="hu-HU" dirty="0">
+                <a:solidFill>
+                  <a:schemeClr val="bg1"/>
+                </a:solidFill>
+              </a:rPr>
+              <a:t>http://mediaelementjs.com/</a:t>
+            </a:r>
+            <a:endParaRPr lang="en-US" dirty="0">
+              <a:solidFill>
+                <a:schemeClr val="bg1"/>
+              </a:solidFill>
+            </a:endParaRPr>
+          </a:p>
+        </p:txBody>
+      </p:sp>
+      <p:pic>
+        <p:nvPicPr>
+          <p:cNvPr id="7" name="Picture 6"/>
+          <p:cNvPicPr>
+            <a:picLocks noChangeAspect="1"/>
+          </p:cNvPicPr>
+          <p:nvPr/>
+        </p:nvPicPr>
+        <p:blipFill>
+          <a:blip r:embed="rId3"/>
+          <a:stretch>
+            <a:fillRect/>
+          </a:stretch>
+        </p:blipFill>
+        <p:spPr>
+          <a:xfrm>
+            <a:off x="2911614" y="2311400"/>
+            <a:ext cx="3403600" cy="723900"/>
+          </a:xfrm>
+          <a:prstGeom prst="rect">
+            <a:avLst/>
+          </a:prstGeom>
+        </p:spPr>
+      </p:pic>
+    </p:spTree>
+    <p:extLst>
+      <p:ext uri="{BB962C8B-B14F-4D97-AF65-F5344CB8AC3E}">
+        <p14:creationId xmlns:p14="http://schemas.microsoft.com/office/powerpoint/2010/main" val="4214580484"/>
+      </p:ext>
+    </p:extLst>
+  </p:cSld>
+  <p:clrMapOvr>
+    <a:masterClrMapping/>
+  </p:clrMapOvr>
+</p:sld>
+</file>
+
+<file path=ppt/slides/slide7.xml><?xml version="1.0" encoding="utf-8"?>
+<p:sld xmlns:a="http://schemas.openxmlformats.org/drawingml/2006/main" xmlns:r="http://schemas.openxmlformats.org/officeDocument/2006/relationships" xmlns:p="http://schemas.openxmlformats.org/presentationml/2006/main">
+  <p:cSld>
+    <p:bg>
+      <p:bgPr>
+        <a:solidFill>
+          <a:schemeClr val="tx1">
+            <a:lumMod val="75000"/>
+          </a:schemeClr>
+        </a:solidFill>
+        <a:effectLst/>
+      </p:bgPr>
+    </p:bg>
+    <p:spTree>
+      <p:nvGrpSpPr>
+        <p:cNvPr id="1" name=""/>
+        <p:cNvGrpSpPr/>
+        <p:nvPr/>
+      </p:nvGrpSpPr>
+      <p:grpSpPr>
+        <a:xfrm>
+          <a:off x="0" y="0"/>
+          <a:ext cx="0" cy="0"/>
+          <a:chOff x="0" y="0"/>
+          <a:chExt cx="0" cy="0"/>
+        </a:xfrm>
+      </p:grpSpPr>
+      <p:sp>
+        <p:nvSpPr>
+          <p:cNvPr id="3" name="Subtitle 2"/>
+          <p:cNvSpPr>
+            <a:spLocks noGrp="1"/>
+          </p:cNvSpPr>
+          <p:nvPr>
+            <p:ph type="subTitle" idx="1"/>
+          </p:nvPr>
+        </p:nvSpPr>
+        <p:spPr>
+          <a:xfrm>
+            <a:off x="1371600" y="5135734"/>
+            <a:ext cx="6400800" cy="503066"/>
+          </a:xfrm>
+        </p:spPr>
+        <p:txBody>
+          <a:bodyPr>
+            <a:normAutofit fontScale="92500" lnSpcReduction="10000"/>
+          </a:bodyPr>
+          <a:lstStyle/>
+          <a:p>
+            <a:r>
+              <a:rPr lang="en-US" dirty="0">
+                <a:solidFill>
+                  <a:srgbClr val="C91D49"/>
+                </a:solidFill>
+              </a:rPr>
+              <a:t>http://p5js.org/</a:t>
+            </a:r>
+          </a:p>
+        </p:txBody>
+      </p:sp>
+      <p:pic>
+        <p:nvPicPr>
+          <p:cNvPr id="2" name="Picture 1"/>
+          <p:cNvPicPr>
+            <a:picLocks noChangeAspect="1"/>
+          </p:cNvPicPr>
+          <p:nvPr/>
+        </p:nvPicPr>
+        <p:blipFill>
+          <a:blip r:embed="rId2"/>
+          <a:stretch>
+            <a:fillRect/>
+          </a:stretch>
+        </p:blipFill>
+        <p:spPr>
+          <a:xfrm>
+            <a:off x="2984500" y="1981200"/>
+            <a:ext cx="3175000" cy="1447800"/>
+          </a:xfrm>
+          <a:prstGeom prst="rect">
+            <a:avLst/>
+          </a:prstGeom>
+        </p:spPr>
+      </p:pic>
+    </p:spTree>
+    <p:extLst>
+      <p:ext uri="{BB962C8B-B14F-4D97-AF65-F5344CB8AC3E}">
+        <p14:creationId xmlns:p14="http://schemas.microsoft.com/office/powerpoint/2010/main" val="2399581106"/>
+      </p:ext>
+    </p:extLst>
+  </p:cSld>
+  <p:clrMapOvr>
+    <a:masterClrMapping/>
+  </p:clrMapOvr>
+</p:sld>
+</file>
+
+<file path=ppt/slides/slide8.xml><?xml version="1.0" encoding="utf-8"?>
+<p:sld xmlns:a="http://schemas.openxmlformats.org/drawingml/2006/main" xmlns:r="http://schemas.openxmlformats.org/officeDocument/2006/relationships" xmlns:p="http://schemas.openxmlformats.org/presentationml/2006/main">
+  <p:cSld>
+    <p:bg>
+      <p:bgPr>
+        <a:solidFill>
+          <a:srgbClr val="51B1C7"/>
+        </a:solidFill>
+        <a:effectLst/>
+      </p:bgPr>
+    </p:bg>
+    <p:spTree>
+      <p:nvGrpSpPr>
+        <p:cNvPr id="1" name=""/>
+        <p:cNvGrpSpPr/>
+        <p:nvPr/>
+      </p:nvGrpSpPr>
+      <p:grpSpPr>
+        <a:xfrm>
+          <a:off x="0" y="0"/>
+          <a:ext cx="0" cy="0"/>
+          <a:chOff x="0" y="0"/>
+          <a:chExt cx="0" cy="0"/>
+        </a:xfrm>
+      </p:grpSpPr>
+      <p:sp>
+        <p:nvSpPr>
+          <p:cNvPr id="3" name="Subtitle 2"/>
+          <p:cNvSpPr>
+            <a:spLocks noGrp="1"/>
+          </p:cNvSpPr>
+          <p:nvPr>
+            <p:ph type="subTitle" idx="1"/>
+          </p:nvPr>
+        </p:nvSpPr>
+        <p:spPr>
+          <a:xfrm>
+            <a:off x="1371600" y="5135734"/>
+            <a:ext cx="6400800" cy="503066"/>
+          </a:xfrm>
+        </p:spPr>
+        <p:txBody>
+          <a:bodyPr>
+            <a:normAutofit fontScale="92500" lnSpcReduction="10000"/>
+          </a:bodyPr>
+          <a:lstStyle/>
+          <a:p>
+            <a:r>
+              <a:rPr lang="en-US" dirty="0">
+                <a:solidFill>
+                  <a:schemeClr val="tx1"/>
+                </a:solidFill>
+              </a:rPr>
+              <a:t>https://</a:t>
+            </a:r>
+            <a:r>
+              <a:rPr lang="en-US" dirty="0" err="1">
+                <a:solidFill>
+                  <a:schemeClr val="tx1"/>
+                </a:solidFill>
+              </a:rPr>
+              <a:t>hourofcode.com</a:t>
+            </a:r>
+            <a:r>
+              <a:rPr lang="en-US" dirty="0">
+                <a:solidFill>
+                  <a:schemeClr val="tx1"/>
+                </a:solidFill>
+              </a:rPr>
+              <a:t>/</a:t>
+            </a:r>
+            <a:r>
+              <a:rPr lang="en-US" dirty="0" err="1">
+                <a:solidFill>
+                  <a:schemeClr val="tx1"/>
+                </a:solidFill>
+              </a:rPr>
+              <a:t>es</a:t>
+            </a:r>
+            <a:endParaRPr lang="en-US" dirty="0">
+              <a:solidFill>
+                <a:schemeClr val="tx1"/>
+              </a:solidFill>
+            </a:endParaRPr>
+          </a:p>
+        </p:txBody>
+      </p:sp>
+      <p:pic>
+        <p:nvPicPr>
+          <p:cNvPr id="6" name="Picture 5"/>
+          <p:cNvPicPr>
+            <a:picLocks noChangeAspect="1"/>
+          </p:cNvPicPr>
+          <p:nvPr/>
+        </p:nvPicPr>
+        <p:blipFill>
+          <a:blip r:embed="rId2"/>
+          <a:stretch>
+            <a:fillRect/>
+          </a:stretch>
+        </p:blipFill>
+        <p:spPr>
+          <a:xfrm>
+            <a:off x="698500" y="885082"/>
+            <a:ext cx="7747000" cy="4038600"/>
+          </a:xfrm>
+          <a:prstGeom prst="rect">
+            <a:avLst/>
+          </a:prstGeom>
+        </p:spPr>
+      </p:pic>
+    </p:spTree>
+    <p:extLst>
+      <p:ext uri="{BB962C8B-B14F-4D97-AF65-F5344CB8AC3E}">
+        <p14:creationId xmlns:p14="http://schemas.microsoft.com/office/powerpoint/2010/main" val="2601447363"/>
+      </p:ext>
+    </p:extLst>
+  </p:cSld>
+  <p:clrMapOvr>
+    <a:masterClrMapping/>
+  </p:clrMapOvr>
+</p:sld>
+</file>
+
+<file path=ppt/slides/slide9.xml><?xml version="1.0" encoding="utf-8"?>
+<p:sld xmlns:a="http://schemas.openxmlformats.org/drawingml/2006/main" xmlns:r="http://schemas.openxmlformats.org/officeDocument/2006/relationships" xmlns:p="http://schemas.openxmlformats.org/presentationml/2006/main">
+  <p:cSld>
+    <p:bg>
+      <p:bgPr>
+        <a:solidFill>
+          <a:srgbClr val="BADDF3"/>
+        </a:solidFill>
+        <a:effectLst/>
+      </p:bgPr>
+    </p:bg>
+    <p:spTree>
+      <p:nvGrpSpPr>
+        <p:cNvPr id="1" name=""/>
+        <p:cNvGrpSpPr/>
+        <p:nvPr/>
+      </p:nvGrpSpPr>
+      <p:grpSpPr>
+        <a:xfrm>
+          <a:off x="0" y="0"/>
+          <a:ext cx="0" cy="0"/>
+          <a:chOff x="0" y="0"/>
+          <a:chExt cx="0" cy="0"/>
+        </a:xfrm>
+      </p:grpSpPr>
+      <p:pic>
+        <p:nvPicPr>
+          <p:cNvPr id="11" name="Picture 10"/>
+          <p:cNvPicPr>
+            <a:picLocks noChangeAspect="1"/>
+          </p:cNvPicPr>
+          <p:nvPr/>
+        </p:nvPicPr>
+        <p:blipFill>
+          <a:blip r:embed="rId2"/>
+          <a:stretch>
+            <a:fillRect/>
+          </a:stretch>
+        </p:blipFill>
+        <p:spPr>
+          <a:xfrm>
+            <a:off x="1397000" y="254000"/>
+            <a:ext cx="6350000" cy="6350000"/>
           </a:xfrm>
           <a:prstGeom prst="rect">
             <a:avLst/>

--- a/assets/presentation.pptx
+++ b/assets/presentation.pptx
@@ -12,9 +12,9 @@
     <p:sldId id="261" r:id="rId6"/>
     <p:sldId id="265" r:id="rId7"/>
     <p:sldId id="262" r:id="rId8"/>
-    <p:sldId id="266" r:id="rId9"/>
-    <p:sldId id="256" r:id="rId10"/>
-    <p:sldId id="263" r:id="rId11"/>
+    <p:sldId id="263" r:id="rId9"/>
+    <p:sldId id="266" r:id="rId10"/>
+    <p:sldId id="256" r:id="rId11"/>
     <p:sldId id="264" r:id="rId12"/>
   </p:sldIdLst>
   <p:sldSz cx="9144000" cy="6858000" type="screen4x3"/>
@@ -3152,7 +3152,7 @@
     <p:bg>
       <p:bgPr>
         <a:solidFill>
-          <a:schemeClr val="tx1"/>
+          <a:srgbClr val="BADDF3"/>
         </a:solidFill>
         <a:effectLst/>
       </p:bgPr>
@@ -3171,392 +3171,24 @@
           <a:chExt cx="0" cy="0"/>
         </a:xfrm>
       </p:grpSpPr>
-      <p:sp>
-        <p:nvSpPr>
-          <p:cNvPr id="3" name="Vertical Text Placeholder 2"/>
-          <p:cNvSpPr>
-            <a:spLocks noGrp="1"/>
-          </p:cNvSpPr>
-          <p:nvPr>
-            <p:ph type="body" orient="vert" idx="1"/>
-          </p:nvPr>
-        </p:nvSpPr>
-        <p:spPr>
-          <a:xfrm>
-            <a:off x="457200" y="2051756"/>
-            <a:ext cx="8229600" cy="4525963"/>
-          </a:xfrm>
-        </p:spPr>
-        <p:txBody>
-          <a:bodyPr vert="horz">
-            <a:normAutofit fontScale="47500" lnSpcReduction="20000"/>
-          </a:bodyPr>
-          <a:lstStyle/>
-          <a:p>
-            <a:pPr marL="0" indent="0">
-              <a:buNone/>
-            </a:pPr>
-            <a:r>
-              <a:rPr lang="en-US" dirty="0">
-                <a:solidFill>
-                  <a:srgbClr val="660066"/>
-                </a:solidFill>
-              </a:rPr>
-              <a:t>Plugins </a:t>
-            </a:r>
-          </a:p>
-          <a:p>
-            <a:pPr marL="0" indent="0">
-              <a:buNone/>
-            </a:pPr>
-            <a:r>
-              <a:rPr lang="en-US" dirty="0">
-                <a:solidFill>
-                  <a:srgbClr val="660066"/>
-                </a:solidFill>
-                <a:hlinkClick r:id="rId2"/>
-              </a:rPr>
-              <a:t>http://greensock.com/</a:t>
-            </a:r>
-            <a:endParaRPr lang="en-US" dirty="0">
-              <a:solidFill>
-                <a:srgbClr val="660066"/>
-              </a:solidFill>
-            </a:endParaRPr>
-          </a:p>
-          <a:p>
-            <a:pPr marL="0" indent="0">
-              <a:buNone/>
-            </a:pPr>
-            <a:r>
-              <a:rPr lang="en-US" dirty="0">
-                <a:solidFill>
-                  <a:srgbClr val="660066"/>
-                </a:solidFill>
-                <a:hlinkClick r:id="rId3"/>
-              </a:rPr>
-              <a:t>http://prinzhorn.github.io/skrollr/</a:t>
-            </a:r>
-            <a:endParaRPr lang="en-US" dirty="0">
-              <a:solidFill>
-                <a:srgbClr val="660066"/>
-              </a:solidFill>
-            </a:endParaRPr>
-          </a:p>
-          <a:p>
-            <a:pPr marL="0" indent="0">
-              <a:buNone/>
-            </a:pPr>
-            <a:r>
-              <a:rPr lang="en-US" dirty="0">
-                <a:solidFill>
-                  <a:srgbClr val="660066"/>
-                </a:solidFill>
-                <a:hlinkClick r:id="rId4"/>
-              </a:rPr>
-              <a:t>http://mediaelementjs.com/</a:t>
-            </a:r>
-            <a:endParaRPr lang="en-US" dirty="0">
-              <a:solidFill>
-                <a:srgbClr val="660066"/>
-              </a:solidFill>
-            </a:endParaRPr>
-          </a:p>
-          <a:p>
-            <a:pPr marL="0" indent="0">
-              <a:buNone/>
-            </a:pPr>
-            <a:r>
-              <a:rPr lang="en-US" dirty="0">
-                <a:solidFill>
-                  <a:srgbClr val="660066"/>
-                </a:solidFill>
-                <a:hlinkClick r:id="rId5"/>
-              </a:rPr>
-              <a:t>http://p5js.org/</a:t>
-            </a:r>
-            <a:endParaRPr lang="en-US" dirty="0">
-              <a:solidFill>
-                <a:srgbClr val="660066"/>
-              </a:solidFill>
-            </a:endParaRPr>
-          </a:p>
-          <a:p>
-            <a:pPr marL="0" indent="0">
-              <a:buNone/>
-            </a:pPr>
-            <a:r>
-              <a:rPr lang="en-US" dirty="0">
-                <a:solidFill>
-                  <a:srgbClr val="660066"/>
-                </a:solidFill>
-              </a:rPr>
-              <a:t/>
-            </a:r>
-            <a:br>
-              <a:rPr lang="en-US" dirty="0">
-                <a:solidFill>
-                  <a:srgbClr val="660066"/>
-                </a:solidFill>
-              </a:rPr>
-            </a:br>
-            <a:endParaRPr lang="en-US" dirty="0">
-              <a:solidFill>
-                <a:srgbClr val="660066"/>
-              </a:solidFill>
-            </a:endParaRPr>
-          </a:p>
-          <a:p>
-            <a:pPr marL="0" indent="0">
-              <a:buNone/>
-            </a:pPr>
-            <a:r>
-              <a:rPr lang="en-US" dirty="0" err="1">
-                <a:solidFill>
-                  <a:srgbClr val="660066"/>
-                </a:solidFill>
-              </a:rPr>
-              <a:t>Referencias</a:t>
-            </a:r>
-            <a:r>
-              <a:rPr lang="en-US" dirty="0">
-                <a:solidFill>
-                  <a:srgbClr val="660066"/>
-                </a:solidFill>
-              </a:rPr>
-              <a:t> </a:t>
-            </a:r>
-          </a:p>
-          <a:p>
-            <a:pPr marL="0" indent="0">
-              <a:buNone/>
-            </a:pPr>
-            <a:r>
-              <a:rPr lang="en-US" dirty="0">
-                <a:solidFill>
-                  <a:srgbClr val="660066"/>
-                </a:solidFill>
-                <a:hlinkClick r:id="rId6"/>
-              </a:rPr>
-              <a:t>https://www.zuto.com/88-miles-per-hour/</a:t>
-            </a:r>
-            <a:endParaRPr lang="en-US" dirty="0">
-              <a:solidFill>
-                <a:srgbClr val="660066"/>
-              </a:solidFill>
-            </a:endParaRPr>
-          </a:p>
-          <a:p>
-            <a:pPr marL="0" indent="0">
-              <a:buNone/>
-            </a:pPr>
-            <a:r>
-              <a:rPr lang="en-US" dirty="0">
-                <a:solidFill>
-                  <a:srgbClr val="660066"/>
-                </a:solidFill>
-                <a:hlinkClick r:id="rId7"/>
-              </a:rPr>
-              <a:t>http://alfredservice.com/</a:t>
-            </a:r>
-            <a:endParaRPr lang="en-US" dirty="0">
-              <a:solidFill>
-                <a:srgbClr val="660066"/>
-              </a:solidFill>
-            </a:endParaRPr>
-          </a:p>
-          <a:p>
-            <a:pPr marL="0" indent="0">
-              <a:buNone/>
-            </a:pPr>
-            <a:r>
-              <a:rPr lang="en-US" dirty="0">
-                <a:solidFill>
-                  <a:srgbClr val="660066"/>
-                </a:solidFill>
-                <a:hlinkClick r:id="rId8"/>
-              </a:rPr>
-              <a:t>http://soundcityproject.com/</a:t>
-            </a:r>
-            <a:endParaRPr lang="en-US" dirty="0">
-              <a:solidFill>
-                <a:srgbClr val="660066"/>
-              </a:solidFill>
-            </a:endParaRPr>
-          </a:p>
-          <a:p>
-            <a:pPr marL="0" indent="0">
-              <a:buNone/>
-            </a:pPr>
-            <a:r>
-              <a:rPr lang="en-US" dirty="0">
-                <a:solidFill>
-                  <a:srgbClr val="660066"/>
-                </a:solidFill>
-                <a:hlinkClick r:id="rId9"/>
-              </a:rPr>
-              <a:t>http://mcwhopper.com/</a:t>
-            </a:r>
-            <a:endParaRPr lang="en-US" dirty="0">
-              <a:solidFill>
-                <a:srgbClr val="660066"/>
-              </a:solidFill>
-            </a:endParaRPr>
-          </a:p>
-          <a:p>
-            <a:pPr marL="0" indent="0">
-              <a:buNone/>
-            </a:pPr>
-            <a:r>
-              <a:rPr lang="en-US" dirty="0">
-                <a:solidFill>
-                  <a:srgbClr val="660066"/>
-                </a:solidFill>
-                <a:hlinkClick r:id="rId10"/>
-              </a:rPr>
-              <a:t>http://www.topos.mx/amuleto</a:t>
-            </a:r>
-            <a:endParaRPr lang="en-US" dirty="0">
-              <a:solidFill>
-                <a:srgbClr val="660066"/>
-              </a:solidFill>
-            </a:endParaRPr>
-          </a:p>
-          <a:p>
-            <a:pPr marL="0" indent="0">
-              <a:buNone/>
-            </a:pPr>
-            <a:r>
-              <a:rPr lang="en-US" dirty="0">
-                <a:solidFill>
-                  <a:srgbClr val="660066"/>
-                </a:solidFill>
-              </a:rPr>
-              <a:t/>
-            </a:r>
-            <a:br>
-              <a:rPr lang="en-US" dirty="0">
-                <a:solidFill>
-                  <a:srgbClr val="660066"/>
-                </a:solidFill>
-              </a:rPr>
-            </a:br>
-            <a:endParaRPr lang="en-US" dirty="0">
-              <a:solidFill>
-                <a:srgbClr val="660066"/>
-              </a:solidFill>
-            </a:endParaRPr>
-          </a:p>
-          <a:p>
-            <a:pPr marL="0" indent="0">
-              <a:buNone/>
-            </a:pPr>
-            <a:r>
-              <a:rPr lang="en-US" dirty="0" err="1">
-                <a:solidFill>
-                  <a:srgbClr val="660066"/>
-                </a:solidFill>
-              </a:rPr>
-              <a:t>Más</a:t>
-            </a:r>
-            <a:r>
-              <a:rPr lang="en-US" dirty="0">
-                <a:solidFill>
-                  <a:srgbClr val="660066"/>
-                </a:solidFill>
-              </a:rPr>
-              <a:t> </a:t>
-            </a:r>
-            <a:r>
-              <a:rPr lang="en-US" dirty="0" err="1" smtClean="0">
-                <a:solidFill>
-                  <a:srgbClr val="660066"/>
-                </a:solidFill>
-              </a:rPr>
-              <a:t>referencias</a:t>
-            </a:r>
-            <a:r>
-              <a:rPr lang="en-US" dirty="0" smtClean="0">
-                <a:solidFill>
-                  <a:srgbClr val="660066"/>
-                </a:solidFill>
-              </a:rPr>
-              <a:t> </a:t>
-            </a:r>
-            <a:endParaRPr lang="en-US" dirty="0">
-              <a:solidFill>
-                <a:srgbClr val="660066"/>
-              </a:solidFill>
-            </a:endParaRPr>
-          </a:p>
-          <a:p>
-            <a:pPr marL="0" indent="0">
-              <a:buNone/>
-            </a:pPr>
-            <a:r>
-              <a:rPr lang="en-US" dirty="0">
-                <a:solidFill>
-                  <a:srgbClr val="660066"/>
-                </a:solidFill>
-                <a:hlinkClick r:id="rId11"/>
-              </a:rPr>
-              <a:t>http://greensock.com/examples-showcases</a:t>
-            </a:r>
-            <a:endParaRPr lang="en-US" dirty="0">
-              <a:solidFill>
-                <a:srgbClr val="660066"/>
-              </a:solidFill>
-            </a:endParaRPr>
-          </a:p>
-          <a:p>
-            <a:pPr marL="0" indent="0">
-              <a:buNone/>
-            </a:pPr>
-            <a:r>
-              <a:rPr lang="en-US" dirty="0">
-                <a:solidFill>
-                  <a:srgbClr val="660066"/>
-                </a:solidFill>
-                <a:hlinkClick r:id="rId12"/>
-              </a:rPr>
-              <a:t>http://www.awwwards.com/websites/?categories=animation&amp;type=nominees</a:t>
-            </a:r>
-            <a:endParaRPr lang="en-US" dirty="0">
-              <a:solidFill>
-                <a:srgbClr val="660066"/>
-              </a:solidFill>
-            </a:endParaRPr>
-          </a:p>
-          <a:p>
-            <a:pPr marL="0" indent="0">
-              <a:buNone/>
-            </a:pPr>
-            <a:endParaRPr lang="en-US" dirty="0">
-              <a:solidFill>
-                <a:srgbClr val="660066"/>
-              </a:solidFill>
-            </a:endParaRPr>
-          </a:p>
-        </p:txBody>
-      </p:sp>
       <p:pic>
         <p:nvPicPr>
-          <p:cNvPr id="5" name="Picture 4"/>
+          <p:cNvPr id="11" name="Picture 10"/>
           <p:cNvPicPr>
             <a:picLocks noChangeAspect="1"/>
           </p:cNvPicPr>
           <p:nvPr/>
         </p:nvPicPr>
         <p:blipFill>
-          <a:blip r:embed="rId13"/>
+          <a:blip r:embed="rId2"/>
           <a:stretch>
             <a:fillRect/>
           </a:stretch>
         </p:blipFill>
         <p:spPr>
           <a:xfrm>
-            <a:off x="3209768" y="395111"/>
-            <a:ext cx="2852874" cy="1806222"/>
+            <a:off x="1397000" y="254000"/>
+            <a:ext cx="6350000" cy="6350000"/>
           </a:xfrm>
           <a:prstGeom prst="rect">
             <a:avLst/>
@@ -3566,7 +3198,7 @@
     </p:spTree>
     <p:extLst>
       <p:ext uri="{BB962C8B-B14F-4D97-AF65-F5344CB8AC3E}">
-        <p14:creationId xmlns:p14="http://schemas.microsoft.com/office/powerpoint/2010/main" val="523389372"/>
+        <p14:creationId xmlns:p14="http://schemas.microsoft.com/office/powerpoint/2010/main" val="1922578209"/>
       </p:ext>
     </p:extLst>
   </p:cSld>
@@ -4332,6 +3964,484 @@
     <p:bg>
       <p:bgPr>
         <a:solidFill>
+          <a:schemeClr val="tx1"/>
+        </a:solidFill>
+        <a:effectLst/>
+      </p:bgPr>
+    </p:bg>
+    <p:spTree>
+      <p:nvGrpSpPr>
+        <p:cNvPr id="1" name=""/>
+        <p:cNvGrpSpPr/>
+        <p:nvPr/>
+      </p:nvGrpSpPr>
+      <p:grpSpPr>
+        <a:xfrm>
+          <a:off x="0" y="0"/>
+          <a:ext cx="0" cy="0"/>
+          <a:chOff x="0" y="0"/>
+          <a:chExt cx="0" cy="0"/>
+        </a:xfrm>
+      </p:grpSpPr>
+      <p:sp>
+        <p:nvSpPr>
+          <p:cNvPr id="3" name="Vertical Text Placeholder 2"/>
+          <p:cNvSpPr>
+            <a:spLocks noGrp="1"/>
+          </p:cNvSpPr>
+          <p:nvPr>
+            <p:ph type="body" orient="vert" idx="1"/>
+          </p:nvPr>
+        </p:nvSpPr>
+        <p:spPr>
+          <a:xfrm>
+            <a:off x="457200" y="2051756"/>
+            <a:ext cx="8229600" cy="4525963"/>
+          </a:xfrm>
+        </p:spPr>
+        <p:txBody>
+          <a:bodyPr vert="horz">
+            <a:normAutofit fontScale="47500" lnSpcReduction="20000"/>
+          </a:bodyPr>
+          <a:lstStyle/>
+          <a:p>
+            <a:pPr marL="0" indent="0">
+              <a:buNone/>
+            </a:pPr>
+            <a:r>
+              <a:rPr lang="en-US" dirty="0">
+                <a:solidFill>
+                  <a:srgbClr val="660066"/>
+                </a:solidFill>
+              </a:rPr>
+              <a:t>Plugins </a:t>
+            </a:r>
+          </a:p>
+          <a:p>
+            <a:pPr marL="0" indent="0">
+              <a:buNone/>
+            </a:pPr>
+            <a:r>
+              <a:rPr lang="en-US" dirty="0">
+                <a:solidFill>
+                  <a:srgbClr val="660066"/>
+                </a:solidFill>
+                <a:hlinkClick r:id="rId2"/>
+              </a:rPr>
+              <a:t>http://greensock.com/</a:t>
+            </a:r>
+            <a:endParaRPr lang="en-US" dirty="0">
+              <a:solidFill>
+                <a:srgbClr val="660066"/>
+              </a:solidFill>
+            </a:endParaRPr>
+          </a:p>
+          <a:p>
+            <a:pPr marL="0" indent="0">
+              <a:buNone/>
+            </a:pPr>
+            <a:r>
+              <a:rPr lang="en-US" dirty="0">
+                <a:solidFill>
+                  <a:srgbClr val="660066"/>
+                </a:solidFill>
+                <a:hlinkClick r:id="rId3"/>
+              </a:rPr>
+              <a:t>http://prinzhorn.github.io/skrollr/</a:t>
+            </a:r>
+            <a:endParaRPr lang="en-US" dirty="0">
+              <a:solidFill>
+                <a:srgbClr val="660066"/>
+              </a:solidFill>
+            </a:endParaRPr>
+          </a:p>
+          <a:p>
+            <a:pPr marL="0" indent="0">
+              <a:buNone/>
+            </a:pPr>
+            <a:r>
+              <a:rPr lang="en-US" dirty="0">
+                <a:solidFill>
+                  <a:srgbClr val="660066"/>
+                </a:solidFill>
+                <a:hlinkClick r:id="rId4"/>
+              </a:rPr>
+              <a:t>http://mediaelementjs.com/</a:t>
+            </a:r>
+            <a:endParaRPr lang="en-US" dirty="0">
+              <a:solidFill>
+                <a:srgbClr val="660066"/>
+              </a:solidFill>
+            </a:endParaRPr>
+          </a:p>
+          <a:p>
+            <a:pPr marL="0" indent="0">
+              <a:buNone/>
+            </a:pPr>
+            <a:r>
+              <a:rPr lang="en-US" dirty="0">
+                <a:solidFill>
+                  <a:srgbClr val="660066"/>
+                </a:solidFill>
+                <a:hlinkClick r:id="rId5"/>
+              </a:rPr>
+              <a:t>http://p5js.org/</a:t>
+            </a:r>
+            <a:endParaRPr lang="en-US" dirty="0">
+              <a:solidFill>
+                <a:srgbClr val="660066"/>
+              </a:solidFill>
+            </a:endParaRPr>
+          </a:p>
+          <a:p>
+            <a:pPr marL="0" indent="0">
+              <a:buNone/>
+            </a:pPr>
+            <a:r>
+              <a:rPr lang="nb-NO" dirty="0" err="1">
+                <a:solidFill>
+                  <a:srgbClr val="660066"/>
+                </a:solidFill>
+                <a:hlinkClick r:id="rId6"/>
+              </a:rPr>
+              <a:t>https</a:t>
+            </a:r>
+            <a:r>
+              <a:rPr lang="nb-NO" dirty="0">
+                <a:solidFill>
+                  <a:srgbClr val="660066"/>
+                </a:solidFill>
+                <a:hlinkClick r:id="rId6"/>
+              </a:rPr>
+              <a:t>://</a:t>
+            </a:r>
+            <a:r>
+              <a:rPr lang="nb-NO" dirty="0" err="1">
+                <a:solidFill>
+                  <a:srgbClr val="660066"/>
+                </a:solidFill>
+                <a:hlinkClick r:id="rId6"/>
+              </a:rPr>
+              <a:t>jakearchibald.github.io</a:t>
+            </a:r>
+            <a:r>
+              <a:rPr lang="nb-NO" dirty="0">
+                <a:solidFill>
+                  <a:srgbClr val="660066"/>
+                </a:solidFill>
+                <a:hlinkClick r:id="rId6"/>
+              </a:rPr>
+              <a:t>/</a:t>
+            </a:r>
+            <a:r>
+              <a:rPr lang="nb-NO" dirty="0" err="1">
+                <a:solidFill>
+                  <a:srgbClr val="660066"/>
+                </a:solidFill>
+                <a:hlinkClick r:id="rId6"/>
+              </a:rPr>
+              <a:t>svgomg</a:t>
+            </a:r>
+            <a:r>
+              <a:rPr lang="nb-NO" dirty="0">
+                <a:solidFill>
+                  <a:srgbClr val="660066"/>
+                </a:solidFill>
+                <a:hlinkClick r:id="rId6"/>
+              </a:rPr>
+              <a:t>/</a:t>
+            </a:r>
+            <a:endParaRPr lang="en-US" dirty="0">
+              <a:solidFill>
+                <a:srgbClr val="660066"/>
+              </a:solidFill>
+            </a:endParaRPr>
+          </a:p>
+          <a:p>
+            <a:pPr marL="0" indent="0">
+              <a:buNone/>
+            </a:pPr>
+            <a:endParaRPr lang="en-US" dirty="0">
+              <a:solidFill>
+                <a:srgbClr val="660066"/>
+              </a:solidFill>
+            </a:endParaRPr>
+          </a:p>
+          <a:p>
+            <a:pPr marL="0" indent="0">
+              <a:buNone/>
+            </a:pPr>
+            <a:r>
+              <a:rPr lang="en-US" dirty="0" err="1">
+                <a:solidFill>
+                  <a:srgbClr val="660066"/>
+                </a:solidFill>
+              </a:rPr>
+              <a:t>Referencias</a:t>
+            </a:r>
+            <a:r>
+              <a:rPr lang="en-US" dirty="0">
+                <a:solidFill>
+                  <a:srgbClr val="660066"/>
+                </a:solidFill>
+              </a:rPr>
+              <a:t> </a:t>
+            </a:r>
+          </a:p>
+          <a:p>
+            <a:pPr marL="0" indent="0">
+              <a:buNone/>
+            </a:pPr>
+            <a:r>
+              <a:rPr lang="en-US" dirty="0">
+                <a:solidFill>
+                  <a:srgbClr val="660066"/>
+                </a:solidFill>
+                <a:hlinkClick r:id="rId7"/>
+              </a:rPr>
+              <a:t>https://www.zuto.com/88-miles-per-hour/</a:t>
+            </a:r>
+            <a:endParaRPr lang="en-US" dirty="0">
+              <a:solidFill>
+                <a:srgbClr val="660066"/>
+              </a:solidFill>
+            </a:endParaRPr>
+          </a:p>
+          <a:p>
+            <a:pPr marL="0" indent="0">
+              <a:buNone/>
+            </a:pPr>
+            <a:r>
+              <a:rPr lang="en-US" dirty="0">
+                <a:solidFill>
+                  <a:srgbClr val="660066"/>
+                </a:solidFill>
+                <a:hlinkClick r:id="rId8"/>
+              </a:rPr>
+              <a:t>http://alfredservice.com/</a:t>
+            </a:r>
+            <a:endParaRPr lang="en-US" dirty="0">
+              <a:solidFill>
+                <a:srgbClr val="660066"/>
+              </a:solidFill>
+            </a:endParaRPr>
+          </a:p>
+          <a:p>
+            <a:pPr marL="0" indent="0">
+              <a:buNone/>
+            </a:pPr>
+            <a:r>
+              <a:rPr lang="en-US" dirty="0">
+                <a:solidFill>
+                  <a:srgbClr val="660066"/>
+                </a:solidFill>
+                <a:hlinkClick r:id="rId9"/>
+              </a:rPr>
+              <a:t>http://soundcityproject.com/</a:t>
+            </a:r>
+            <a:endParaRPr lang="en-US" dirty="0">
+              <a:solidFill>
+                <a:srgbClr val="660066"/>
+              </a:solidFill>
+            </a:endParaRPr>
+          </a:p>
+          <a:p>
+            <a:pPr marL="0" indent="0">
+              <a:buNone/>
+            </a:pPr>
+            <a:r>
+              <a:rPr lang="en-US" dirty="0">
+                <a:solidFill>
+                  <a:srgbClr val="660066"/>
+                </a:solidFill>
+                <a:hlinkClick r:id="rId10"/>
+              </a:rPr>
+              <a:t>http://mcwhopper.com/</a:t>
+            </a:r>
+            <a:endParaRPr lang="en-US" dirty="0">
+              <a:solidFill>
+                <a:srgbClr val="660066"/>
+              </a:solidFill>
+            </a:endParaRPr>
+          </a:p>
+          <a:p>
+            <a:pPr marL="0" indent="0">
+              <a:buNone/>
+            </a:pPr>
+            <a:r>
+              <a:rPr lang="en-US" dirty="0">
+                <a:solidFill>
+                  <a:srgbClr val="660066"/>
+                </a:solidFill>
+                <a:hlinkClick r:id="rId11"/>
+              </a:rPr>
+              <a:t>http://www.topos.mx/</a:t>
+            </a:r>
+            <a:r>
+              <a:rPr lang="en-US" dirty="0" smtClean="0">
+                <a:solidFill>
+                  <a:srgbClr val="660066"/>
+                </a:solidFill>
+                <a:hlinkClick r:id="rId11"/>
+              </a:rPr>
+              <a:t>amuleto</a:t>
+            </a:r>
+            <a:r>
+              <a:rPr lang="en-US" dirty="0">
+                <a:solidFill>
+                  <a:srgbClr val="660066"/>
+                </a:solidFill>
+              </a:rPr>
+              <a:t/>
+            </a:r>
+            <a:br>
+              <a:rPr lang="en-US" dirty="0">
+                <a:solidFill>
+                  <a:srgbClr val="660066"/>
+                </a:solidFill>
+              </a:rPr>
+            </a:br>
+            <a:endParaRPr lang="en-US" dirty="0">
+              <a:solidFill>
+                <a:srgbClr val="660066"/>
+              </a:solidFill>
+            </a:endParaRPr>
+          </a:p>
+          <a:p>
+            <a:pPr marL="0" indent="0">
+              <a:buNone/>
+            </a:pPr>
+            <a:r>
+              <a:rPr lang="en-US" dirty="0" err="1">
+                <a:solidFill>
+                  <a:srgbClr val="660066"/>
+                </a:solidFill>
+              </a:rPr>
+              <a:t>Más</a:t>
+            </a:r>
+            <a:r>
+              <a:rPr lang="en-US" dirty="0">
+                <a:solidFill>
+                  <a:srgbClr val="660066"/>
+                </a:solidFill>
+              </a:rPr>
+              <a:t> </a:t>
+            </a:r>
+            <a:r>
+              <a:rPr lang="en-US" dirty="0" err="1" smtClean="0">
+                <a:solidFill>
+                  <a:srgbClr val="660066"/>
+                </a:solidFill>
+              </a:rPr>
+              <a:t>referencias</a:t>
+            </a:r>
+            <a:r>
+              <a:rPr lang="en-US" dirty="0" smtClean="0">
+                <a:solidFill>
+                  <a:srgbClr val="660066"/>
+                </a:solidFill>
+              </a:rPr>
+              <a:t> </a:t>
+            </a:r>
+            <a:endParaRPr lang="en-US" dirty="0">
+              <a:solidFill>
+                <a:srgbClr val="660066"/>
+              </a:solidFill>
+            </a:endParaRPr>
+          </a:p>
+          <a:p>
+            <a:pPr marL="0" indent="0">
+              <a:buNone/>
+            </a:pPr>
+            <a:r>
+              <a:rPr lang="en-US" dirty="0">
+                <a:solidFill>
+                  <a:srgbClr val="660066"/>
+                </a:solidFill>
+                <a:hlinkClick r:id="rId12"/>
+              </a:rPr>
+              <a:t>http://greensock.com/examples-showcases</a:t>
+            </a:r>
+            <a:endParaRPr lang="en-US" dirty="0">
+              <a:solidFill>
+                <a:srgbClr val="660066"/>
+              </a:solidFill>
+            </a:endParaRPr>
+          </a:p>
+          <a:p>
+            <a:pPr marL="0" indent="0">
+              <a:buNone/>
+            </a:pPr>
+            <a:r>
+              <a:rPr lang="en-US" dirty="0">
+                <a:solidFill>
+                  <a:srgbClr val="660066"/>
+                </a:solidFill>
+                <a:hlinkClick r:id="rId13"/>
+              </a:rPr>
+              <a:t>http://www.awwwards.com/websites/?categories=animation&amp;type=nominees</a:t>
+            </a:r>
+            <a:endParaRPr lang="en-US" dirty="0">
+              <a:solidFill>
+                <a:srgbClr val="660066"/>
+              </a:solidFill>
+            </a:endParaRPr>
+          </a:p>
+          <a:p>
+            <a:pPr marL="0" indent="0">
+              <a:buNone/>
+            </a:pPr>
+            <a:endParaRPr lang="en-US" dirty="0">
+              <a:solidFill>
+                <a:srgbClr val="660066"/>
+              </a:solidFill>
+            </a:endParaRPr>
+          </a:p>
+        </p:txBody>
+      </p:sp>
+      <p:pic>
+        <p:nvPicPr>
+          <p:cNvPr id="5" name="Picture 4"/>
+          <p:cNvPicPr>
+            <a:picLocks noChangeAspect="1"/>
+          </p:cNvPicPr>
+          <p:nvPr/>
+        </p:nvPicPr>
+        <p:blipFill>
+          <a:blip r:embed="rId14"/>
+          <a:stretch>
+            <a:fillRect/>
+          </a:stretch>
+        </p:blipFill>
+        <p:spPr>
+          <a:xfrm>
+            <a:off x="3209768" y="395111"/>
+            <a:ext cx="2852874" cy="1806222"/>
+          </a:xfrm>
+          <a:prstGeom prst="rect">
+            <a:avLst/>
+          </a:prstGeom>
+        </p:spPr>
+      </p:pic>
+    </p:spTree>
+    <p:extLst>
+      <p:ext uri="{BB962C8B-B14F-4D97-AF65-F5344CB8AC3E}">
+        <p14:creationId xmlns:p14="http://schemas.microsoft.com/office/powerpoint/2010/main" val="523389372"/>
+      </p:ext>
+    </p:extLst>
+  </p:cSld>
+  <p:clrMapOvr>
+    <a:masterClrMapping/>
+  </p:clrMapOvr>
+</p:sld>
+</file>
+
+<file path=ppt/slides/slide9.xml><?xml version="1.0" encoding="utf-8"?>
+<p:sld xmlns:a="http://schemas.openxmlformats.org/drawingml/2006/main" xmlns:r="http://schemas.openxmlformats.org/officeDocument/2006/relationships" xmlns:p="http://schemas.openxmlformats.org/presentationml/2006/main">
+  <p:cSld>
+    <p:bg>
+      <p:bgPr>
+        <a:solidFill>
           <a:srgbClr val="51B1C7"/>
         </a:solidFill>
         <a:effectLst/>
@@ -4441,68 +4551,6 @@
     <p:extLst>
       <p:ext uri="{BB962C8B-B14F-4D97-AF65-F5344CB8AC3E}">
         <p14:creationId xmlns:p14="http://schemas.microsoft.com/office/powerpoint/2010/main" val="2601447363"/>
-      </p:ext>
-    </p:extLst>
-  </p:cSld>
-  <p:clrMapOvr>
-    <a:masterClrMapping/>
-  </p:clrMapOvr>
-</p:sld>
-</file>
-
-<file path=ppt/slides/slide9.xml><?xml version="1.0" encoding="utf-8"?>
-<p:sld xmlns:a="http://schemas.openxmlformats.org/drawingml/2006/main" xmlns:r="http://schemas.openxmlformats.org/officeDocument/2006/relationships" xmlns:p="http://schemas.openxmlformats.org/presentationml/2006/main">
-  <p:cSld>
-    <p:bg>
-      <p:bgPr>
-        <a:solidFill>
-          <a:srgbClr val="BADDF3"/>
-        </a:solidFill>
-        <a:effectLst/>
-      </p:bgPr>
-    </p:bg>
-    <p:spTree>
-      <p:nvGrpSpPr>
-        <p:cNvPr id="1" name=""/>
-        <p:cNvGrpSpPr/>
-        <p:nvPr/>
-      </p:nvGrpSpPr>
-      <p:grpSpPr>
-        <a:xfrm>
-          <a:off x="0" y="0"/>
-          <a:ext cx="0" cy="0"/>
-          <a:chOff x="0" y="0"/>
-          <a:chExt cx="0" cy="0"/>
-        </a:xfrm>
-      </p:grpSpPr>
-      <p:pic>
-        <p:nvPicPr>
-          <p:cNvPr id="11" name="Picture 10"/>
-          <p:cNvPicPr>
-            <a:picLocks noChangeAspect="1"/>
-          </p:cNvPicPr>
-          <p:nvPr/>
-        </p:nvPicPr>
-        <p:blipFill>
-          <a:blip r:embed="rId2"/>
-          <a:stretch>
-            <a:fillRect/>
-          </a:stretch>
-        </p:blipFill>
-        <p:spPr>
-          <a:xfrm>
-            <a:off x="1397000" y="254000"/>
-            <a:ext cx="6350000" cy="6350000"/>
-          </a:xfrm>
-          <a:prstGeom prst="rect">
-            <a:avLst/>
-          </a:prstGeom>
-        </p:spPr>
-      </p:pic>
-    </p:spTree>
-    <p:extLst>
-      <p:ext uri="{BB962C8B-B14F-4D97-AF65-F5344CB8AC3E}">
-        <p14:creationId xmlns:p14="http://schemas.microsoft.com/office/powerpoint/2010/main" val="1922578209"/>
       </p:ext>
     </p:extLst>
   </p:cSld>
